--- a/econ-115-8.1-wwii-&-cold-war-readings-note.pptx
+++ b/econ-115-8.1-wwii-&-cold-war-readings-note.pptx
@@ -5735,14 +5735,14 @@
       </p:sp>
       <p:sp>
         <p:nvSpPr>
-          <p:cNvPr id="183" name="&lt;https://www.icloud.com/keynote/0SeHtO2Tno7Vf_ddUMm0dhAaw&gt; 2020-10-19"/>
+          <p:cNvPr id="183" name="&lt;https://www.bradford-delong.com/2020/10/81-wwii-cold-war-readings-econ-115.html&gt; &lt;https://github.com/braddelong/public-files/blob/master/econ-115-8.1-wwii-%26-cold-war-readings-note.pptx&gt; &lt;https://www.icloud.com/keynote/0SeHtO2Tno7Vf_ddUMm0dhAaw&gt; 2020-1"/>
           <p:cNvSpPr txBox="1"/>
           <p:nvPr/>
         </p:nvSpPr>
         <p:spPr>
           <a:xfrm>
-            <a:off x="2795945" y="13190222"/>
-            <a:ext cx="21588057" cy="525778"/>
+            <a:off x="384964" y="13431522"/>
+            <a:ext cx="23712509" cy="284479"/>
           </a:xfrm>
           <a:prstGeom prst="rect">
             <a:avLst/>
@@ -5766,7 +5766,7 @@
               <a:spcBef>
                 <a:spcPts val="600"/>
               </a:spcBef>
-              <a:defRPr b="1" sz="3000">
+              <a:defRPr b="1" sz="1400">
                 <a:solidFill>
                   <a:srgbClr val="000000"/>
                 </a:solidFill>
@@ -5785,8 +5785,26 @@
               <a:t>&lt;</a:t>
             </a:r>
             <a:r>
-              <a:rPr u="sng">
+              <a:rPr>
                 <a:hlinkClick r:id="rId7" invalidUrl="" action="" tgtFrame="" tooltip="" history="1" highlightClick="0" endSnd="0"/>
+              </a:rPr>
+              <a:t>https://www.bradford-delong.com/2020/10/81-wwii-cold-war-readings-econ-115.html</a:t>
+            </a:r>
+            <a:r>
+              <a:t>&gt; &lt;</a:t>
+            </a:r>
+            <a:r>
+              <a:rPr>
+                <a:hlinkClick r:id="rId8" invalidUrl="" action="" tgtFrame="" tooltip="" history="1" highlightClick="0" endSnd="0"/>
+              </a:rPr>
+              <a:t>https://github.com/braddelong/public-files/blob/master/econ-115-8.1-wwii-%26-cold-war-readings-note.pptx</a:t>
+            </a:r>
+            <a:r>
+              <a:t>&gt; &lt;</a:t>
+            </a:r>
+            <a:r>
+              <a:rPr>
+                <a:hlinkClick r:id="rId9" invalidUrl="" action="" tgtFrame="" tooltip="" history="1" highlightClick="0" endSnd="0"/>
               </a:rPr>
               <a:t>https://www.icloud.com/keynote/0SeHtO2Tno7Vf_ddUMm0dhAaw</a:t>
             </a:r>
